--- a/Later/Spring/4_Dependency_Injection/30/Autowiring in Spring_byName.pptx
+++ b/Later/Spring/4_Dependency_Injection/30/Autowiring in Spring_byName.pptx
@@ -192,7 +192,7 @@
           <a:p>
             <a:fld id="{62274EC6-3890-417B-9308-14EFBD00FA63}" type="datetimeFigureOut">
               <a:rPr lang="en-US" smtClean="0"/>
-              <a:t>2/13/2018</a:t>
+              <a:t>2/14/2018</a:t>
             </a:fld>
             <a:endParaRPr lang="en-US" dirty="0"/>
           </a:p>
@@ -731,7 +731,7 @@
             <a:fld id="{1D8BD707-D9CF-40AE-B4C6-C98DA3205C09}" type="datetimeFigureOut">
               <a:rPr lang="en-US" smtClean="0"/>
               <a:pPr/>
-              <a:t>2/13/2018</a:t>
+              <a:t>2/14/2018</a:t>
             </a:fld>
             <a:endParaRPr lang="en-US" dirty="0"/>
           </a:p>
@@ -903,7 +903,7 @@
             <a:fld id="{1D8BD707-D9CF-40AE-B4C6-C98DA3205C09}" type="datetimeFigureOut">
               <a:rPr lang="en-US" smtClean="0"/>
               <a:pPr/>
-              <a:t>2/13/2018</a:t>
+              <a:t>2/14/2018</a:t>
             </a:fld>
             <a:endParaRPr lang="en-US" dirty="0"/>
           </a:p>
@@ -1085,7 +1085,7 @@
             <a:fld id="{1D8BD707-D9CF-40AE-B4C6-C98DA3205C09}" type="datetimeFigureOut">
               <a:rPr lang="en-US" smtClean="0"/>
               <a:pPr/>
-              <a:t>2/13/2018</a:t>
+              <a:t>2/14/2018</a:t>
             </a:fld>
             <a:endParaRPr lang="en-US" dirty="0"/>
           </a:p>
@@ -1257,7 +1257,7 @@
             <a:fld id="{1D8BD707-D9CF-40AE-B4C6-C98DA3205C09}" type="datetimeFigureOut">
               <a:rPr lang="en-US" smtClean="0"/>
               <a:pPr/>
-              <a:t>2/13/2018</a:t>
+              <a:t>2/14/2018</a:t>
             </a:fld>
             <a:endParaRPr lang="en-US" dirty="0"/>
           </a:p>
@@ -1505,7 +1505,7 @@
             <a:fld id="{1D8BD707-D9CF-40AE-B4C6-C98DA3205C09}" type="datetimeFigureOut">
               <a:rPr lang="en-US" smtClean="0"/>
               <a:pPr/>
-              <a:t>2/13/2018</a:t>
+              <a:t>2/14/2018</a:t>
             </a:fld>
             <a:endParaRPr lang="en-US" dirty="0"/>
           </a:p>
@@ -1795,7 +1795,7 @@
             <a:fld id="{1D8BD707-D9CF-40AE-B4C6-C98DA3205C09}" type="datetimeFigureOut">
               <a:rPr lang="en-US" smtClean="0"/>
               <a:pPr/>
-              <a:t>2/13/2018</a:t>
+              <a:t>2/14/2018</a:t>
             </a:fld>
             <a:endParaRPr lang="en-US" dirty="0"/>
           </a:p>
@@ -2224,7 +2224,7 @@
             <a:fld id="{1D8BD707-D9CF-40AE-B4C6-C98DA3205C09}" type="datetimeFigureOut">
               <a:rPr lang="en-US" smtClean="0"/>
               <a:pPr/>
-              <a:t>2/13/2018</a:t>
+              <a:t>2/14/2018</a:t>
             </a:fld>
             <a:endParaRPr lang="en-US" dirty="0"/>
           </a:p>
@@ -2344,7 +2344,7 @@
             <a:fld id="{1D8BD707-D9CF-40AE-B4C6-C98DA3205C09}" type="datetimeFigureOut">
               <a:rPr lang="en-US" smtClean="0"/>
               <a:pPr/>
-              <a:t>2/13/2018</a:t>
+              <a:t>2/14/2018</a:t>
             </a:fld>
             <a:endParaRPr lang="en-US" dirty="0"/>
           </a:p>
@@ -2441,7 +2441,7 @@
             <a:fld id="{1D8BD707-D9CF-40AE-B4C6-C98DA3205C09}" type="datetimeFigureOut">
               <a:rPr lang="en-US" smtClean="0"/>
               <a:pPr/>
-              <a:t>2/13/2018</a:t>
+              <a:t>2/14/2018</a:t>
             </a:fld>
             <a:endParaRPr lang="en-US" dirty="0"/>
           </a:p>
@@ -2720,7 +2720,7 @@
             <a:fld id="{1D8BD707-D9CF-40AE-B4C6-C98DA3205C09}" type="datetimeFigureOut">
               <a:rPr lang="en-US" smtClean="0"/>
               <a:pPr/>
-              <a:t>2/13/2018</a:t>
+              <a:t>2/14/2018</a:t>
             </a:fld>
             <a:endParaRPr lang="en-US" dirty="0"/>
           </a:p>
@@ -2975,7 +2975,7 @@
             <a:fld id="{1D8BD707-D9CF-40AE-B4C6-C98DA3205C09}" type="datetimeFigureOut">
               <a:rPr lang="en-US" smtClean="0"/>
               <a:pPr/>
-              <a:t>2/13/2018</a:t>
+              <a:t>2/14/2018</a:t>
             </a:fld>
             <a:endParaRPr lang="en-US" dirty="0"/>
           </a:p>
@@ -3190,7 +3190,7 @@
             <a:fld id="{1D8BD707-D9CF-40AE-B4C6-C98DA3205C09}" type="datetimeFigureOut">
               <a:rPr lang="en-US" smtClean="0"/>
               <a:pPr/>
-              <a:t>2/13/2018</a:t>
+              <a:t>2/14/2018</a:t>
             </a:fld>
             <a:endParaRPr lang="en-US" dirty="0"/>
           </a:p>
@@ -3692,7 +3692,7 @@
         <p:spPr>
           <a:xfrm>
             <a:off x="3733800" y="27801"/>
-            <a:ext cx="1590675" cy="276999"/>
+            <a:ext cx="2514600" cy="276999"/>
           </a:xfrm>
           <a:prstGeom prst="rect">
             <a:avLst/>
@@ -3720,8 +3720,12 @@
           <a:p>
             <a:pPr algn="ctr"/>
             <a:r>
+              <a:rPr lang="en-US" sz="1200" dirty="0" smtClean="0"/>
+              <a:t>byName Auto-wiring mode </a:t>
+            </a:r>
+            <a:r>
               <a:rPr lang="en-US" sz="1200" dirty="0"/>
-              <a:t>Autowiring in Spring</a:t>
+              <a:t>in Spring</a:t>
             </a:r>
           </a:p>
         </p:txBody>
@@ -3894,7 +3898,6 @@
               <a:rPr lang="en-US" sz="1200" dirty="0"/>
               <a:t>. It internally calls setter method.</a:t>
             </a:r>
-            <a:endParaRPr lang="en-US" sz="1200" dirty="0"/>
           </a:p>
         </p:txBody>
       </p:sp>

--- a/Later/Spring/4_Dependency_Injection/30/Autowiring in Spring_byName.pptx
+++ b/Later/Spring/4_Dependency_Injection/30/Autowiring in Spring_byName.pptx
@@ -192,7 +192,7 @@
           <a:p>
             <a:fld id="{62274EC6-3890-417B-9308-14EFBD00FA63}" type="datetimeFigureOut">
               <a:rPr lang="en-US" smtClean="0"/>
-              <a:t>2/14/2018</a:t>
+              <a:t>6/27/2018</a:t>
             </a:fld>
             <a:endParaRPr lang="en-US" dirty="0"/>
           </a:p>
@@ -731,7 +731,7 @@
             <a:fld id="{1D8BD707-D9CF-40AE-B4C6-C98DA3205C09}" type="datetimeFigureOut">
               <a:rPr lang="en-US" smtClean="0"/>
               <a:pPr/>
-              <a:t>2/14/2018</a:t>
+              <a:t>6/27/2018</a:t>
             </a:fld>
             <a:endParaRPr lang="en-US" dirty="0"/>
           </a:p>
@@ -903,7 +903,7 @@
             <a:fld id="{1D8BD707-D9CF-40AE-B4C6-C98DA3205C09}" type="datetimeFigureOut">
               <a:rPr lang="en-US" smtClean="0"/>
               <a:pPr/>
-              <a:t>2/14/2018</a:t>
+              <a:t>6/27/2018</a:t>
             </a:fld>
             <a:endParaRPr lang="en-US" dirty="0"/>
           </a:p>
@@ -1085,7 +1085,7 @@
             <a:fld id="{1D8BD707-D9CF-40AE-B4C6-C98DA3205C09}" type="datetimeFigureOut">
               <a:rPr lang="en-US" smtClean="0"/>
               <a:pPr/>
-              <a:t>2/14/2018</a:t>
+              <a:t>6/27/2018</a:t>
             </a:fld>
             <a:endParaRPr lang="en-US" dirty="0"/>
           </a:p>
@@ -1257,7 +1257,7 @@
             <a:fld id="{1D8BD707-D9CF-40AE-B4C6-C98DA3205C09}" type="datetimeFigureOut">
               <a:rPr lang="en-US" smtClean="0"/>
               <a:pPr/>
-              <a:t>2/14/2018</a:t>
+              <a:t>6/27/2018</a:t>
             </a:fld>
             <a:endParaRPr lang="en-US" dirty="0"/>
           </a:p>
@@ -1505,7 +1505,7 @@
             <a:fld id="{1D8BD707-D9CF-40AE-B4C6-C98DA3205C09}" type="datetimeFigureOut">
               <a:rPr lang="en-US" smtClean="0"/>
               <a:pPr/>
-              <a:t>2/14/2018</a:t>
+              <a:t>6/27/2018</a:t>
             </a:fld>
             <a:endParaRPr lang="en-US" dirty="0"/>
           </a:p>
@@ -1795,7 +1795,7 @@
             <a:fld id="{1D8BD707-D9CF-40AE-B4C6-C98DA3205C09}" type="datetimeFigureOut">
               <a:rPr lang="en-US" smtClean="0"/>
               <a:pPr/>
-              <a:t>2/14/2018</a:t>
+              <a:t>6/27/2018</a:t>
             </a:fld>
             <a:endParaRPr lang="en-US" dirty="0"/>
           </a:p>
@@ -2224,7 +2224,7 @@
             <a:fld id="{1D8BD707-D9CF-40AE-B4C6-C98DA3205C09}" type="datetimeFigureOut">
               <a:rPr lang="en-US" smtClean="0"/>
               <a:pPr/>
-              <a:t>2/14/2018</a:t>
+              <a:t>6/27/2018</a:t>
             </a:fld>
             <a:endParaRPr lang="en-US" dirty="0"/>
           </a:p>
@@ -2344,7 +2344,7 @@
             <a:fld id="{1D8BD707-D9CF-40AE-B4C6-C98DA3205C09}" type="datetimeFigureOut">
               <a:rPr lang="en-US" smtClean="0"/>
               <a:pPr/>
-              <a:t>2/14/2018</a:t>
+              <a:t>6/27/2018</a:t>
             </a:fld>
             <a:endParaRPr lang="en-US" dirty="0"/>
           </a:p>
@@ -2441,7 +2441,7 @@
             <a:fld id="{1D8BD707-D9CF-40AE-B4C6-C98DA3205C09}" type="datetimeFigureOut">
               <a:rPr lang="en-US" smtClean="0"/>
               <a:pPr/>
-              <a:t>2/14/2018</a:t>
+              <a:t>6/27/2018</a:t>
             </a:fld>
             <a:endParaRPr lang="en-US" dirty="0"/>
           </a:p>
@@ -2720,7 +2720,7 @@
             <a:fld id="{1D8BD707-D9CF-40AE-B4C6-C98DA3205C09}" type="datetimeFigureOut">
               <a:rPr lang="en-US" smtClean="0"/>
               <a:pPr/>
-              <a:t>2/14/2018</a:t>
+              <a:t>6/27/2018</a:t>
             </a:fld>
             <a:endParaRPr lang="en-US" dirty="0"/>
           </a:p>
@@ -2975,7 +2975,7 @@
             <a:fld id="{1D8BD707-D9CF-40AE-B4C6-C98DA3205C09}" type="datetimeFigureOut">
               <a:rPr lang="en-US" smtClean="0"/>
               <a:pPr/>
-              <a:t>2/14/2018</a:t>
+              <a:t>6/27/2018</a:t>
             </a:fld>
             <a:endParaRPr lang="en-US" dirty="0"/>
           </a:p>
@@ -3190,7 +3190,7 @@
             <a:fld id="{1D8BD707-D9CF-40AE-B4C6-C98DA3205C09}" type="datetimeFigureOut">
               <a:rPr lang="en-US" smtClean="0"/>
               <a:pPr/>
-              <a:t>2/14/2018</a:t>
+              <a:t>6/27/2018</a:t>
             </a:fld>
             <a:endParaRPr lang="en-US" dirty="0"/>
           </a:p>
